--- a/course/spring_lecture11.pptx
+++ b/course/spring_lecture11.pptx
@@ -365,7 +365,7 @@
           <a:p>
             <a:fld id="{67C898FA-A962-44CE-900F-412638C3E064}" type="datetimeFigureOut">
               <a:rPr lang="en-GB" smtClean="0"/>
-              <a:t>26/07/2016</a:t>
+              <a:t>27/07/2016</a:t>
             </a:fld>
             <a:endParaRPr lang="en-GB"/>
           </a:p>
@@ -573,7 +573,7 @@
           <a:p>
             <a:fld id="{67C898FA-A962-44CE-900F-412638C3E064}" type="datetimeFigureOut">
               <a:rPr lang="en-GB" smtClean="0"/>
-              <a:t>26/07/2016</a:t>
+              <a:t>27/07/2016</a:t>
             </a:fld>
             <a:endParaRPr lang="en-GB"/>
           </a:p>
@@ -829,7 +829,7 @@
           <a:p>
             <a:fld id="{67C898FA-A962-44CE-900F-412638C3E064}" type="datetimeFigureOut">
               <a:rPr lang="en-GB" smtClean="0"/>
-              <a:t>26/07/2016</a:t>
+              <a:t>27/07/2016</a:t>
             </a:fld>
             <a:endParaRPr lang="en-GB"/>
           </a:p>
@@ -1003,7 +1003,7 @@
           <a:p>
             <a:fld id="{67C898FA-A962-44CE-900F-412638C3E064}" type="datetimeFigureOut">
               <a:rPr lang="en-GB" smtClean="0"/>
-              <a:t>26/07/2016</a:t>
+              <a:t>27/07/2016</a:t>
             </a:fld>
             <a:endParaRPr lang="en-GB"/>
           </a:p>
@@ -1346,7 +1346,7 @@
           <a:p>
             <a:fld id="{67C898FA-A962-44CE-900F-412638C3E064}" type="datetimeFigureOut">
               <a:rPr lang="en-GB" smtClean="0"/>
-              <a:t>26/07/2016</a:t>
+              <a:t>27/07/2016</a:t>
             </a:fld>
             <a:endParaRPr lang="en-GB"/>
           </a:p>
@@ -1621,7 +1621,7 @@
           <a:p>
             <a:fld id="{67C898FA-A962-44CE-900F-412638C3E064}" type="datetimeFigureOut">
               <a:rPr lang="en-GB" smtClean="0"/>
-              <a:t>26/07/2016</a:t>
+              <a:t>27/07/2016</a:t>
             </a:fld>
             <a:endParaRPr lang="en-GB"/>
           </a:p>
@@ -2000,7 +2000,7 @@
           <a:p>
             <a:fld id="{67C898FA-A962-44CE-900F-412638C3E064}" type="datetimeFigureOut">
               <a:rPr lang="en-GB" smtClean="0"/>
-              <a:t>26/07/2016</a:t>
+              <a:t>27/07/2016</a:t>
             </a:fld>
             <a:endParaRPr lang="en-GB"/>
           </a:p>
@@ -2118,7 +2118,7 @@
           <a:p>
             <a:fld id="{67C898FA-A962-44CE-900F-412638C3E064}" type="datetimeFigureOut">
               <a:rPr lang="en-GB" smtClean="0"/>
-              <a:t>26/07/2016</a:t>
+              <a:t>27/07/2016</a:t>
             </a:fld>
             <a:endParaRPr lang="en-GB"/>
           </a:p>
@@ -2289,7 +2289,7 @@
           <a:p>
             <a:fld id="{67C898FA-A962-44CE-900F-412638C3E064}" type="datetimeFigureOut">
               <a:rPr lang="en-GB" smtClean="0"/>
-              <a:t>26/07/2016</a:t>
+              <a:t>27/07/2016</a:t>
             </a:fld>
             <a:endParaRPr lang="en-GB"/>
           </a:p>
@@ -2643,7 +2643,7 @@
           <a:p>
             <a:fld id="{67C898FA-A962-44CE-900F-412638C3E064}" type="datetimeFigureOut">
               <a:rPr lang="en-GB" smtClean="0"/>
-              <a:t>26/07/2016</a:t>
+              <a:t>27/07/2016</a:t>
             </a:fld>
             <a:endParaRPr lang="en-GB"/>
           </a:p>
@@ -3025,7 +3025,7 @@
           <a:p>
             <a:fld id="{67C898FA-A962-44CE-900F-412638C3E064}" type="datetimeFigureOut">
               <a:rPr lang="en-GB" smtClean="0"/>
-              <a:t>26/07/2016</a:t>
+              <a:t>27/07/2016</a:t>
             </a:fld>
             <a:endParaRPr lang="en-GB"/>
           </a:p>
@@ -3312,7 +3312,7 @@
           <a:p>
             <a:fld id="{67C898FA-A962-44CE-900F-412638C3E064}" type="datetimeFigureOut">
               <a:rPr lang="en-GB" smtClean="0"/>
-              <a:t>26/07/2016</a:t>
+              <a:t>27/07/2016</a:t>
             </a:fld>
             <a:endParaRPr lang="en-GB"/>
           </a:p>
@@ -3876,7 +3876,7 @@
         </p:nvSpPr>
         <p:spPr>
           <a:xfrm>
-            <a:off x="4157696" y="4332180"/>
+            <a:off x="4169572" y="4249053"/>
             <a:ext cx="3976410" cy="369332"/>
           </a:xfrm>
           <a:prstGeom prst="rect">

--- a/course/spring_lecture11.pptx
+++ b/course/spring_lecture11.pptx
@@ -33,6 +33,7 @@
     <p:sldId id="282" r:id="rId27"/>
     <p:sldId id="283" r:id="rId28"/>
     <p:sldId id="284" r:id="rId29"/>
+    <p:sldId id="290" r:id="rId30"/>
   </p:sldIdLst>
   <p:sldSz cx="12192000" cy="6858000"/>
   <p:notesSz cx="6858000" cy="9144000"/>
@@ -6333,6 +6334,74 @@
 </p:sld>
 </file>
 
+<file path=ppt/slides/slide29.xml><?xml version="1.0" encoding="utf-8"?>
+<p:sld xmlns:a="http://schemas.openxmlformats.org/drawingml/2006/main" xmlns:r="http://schemas.openxmlformats.org/officeDocument/2006/relationships" xmlns:p="http://schemas.openxmlformats.org/presentationml/2006/main">
+  <p:cSld>
+    <p:spTree>
+      <p:nvGrpSpPr>
+        <p:cNvPr id="1" name=""/>
+        <p:cNvGrpSpPr/>
+        <p:nvPr/>
+      </p:nvGrpSpPr>
+      <p:grpSpPr>
+        <a:xfrm>
+          <a:off x="0" y="0"/>
+          <a:ext cx="0" cy="0"/>
+          <a:chOff x="0" y="0"/>
+          <a:chExt cx="0" cy="0"/>
+        </a:xfrm>
+      </p:grpSpPr>
+      <p:sp>
+        <p:nvSpPr>
+          <p:cNvPr id="2" name="Title 1"/>
+          <p:cNvSpPr>
+            <a:spLocks noGrp="1"/>
+          </p:cNvSpPr>
+          <p:nvPr>
+            <p:ph type="title"/>
+          </p:nvPr>
+        </p:nvSpPr>
+        <p:spPr/>
+        <p:txBody>
+          <a:bodyPr/>
+          <a:lstStyle/>
+          <a:p>
+            <a:endParaRPr lang="en-GB"/>
+          </a:p>
+        </p:txBody>
+      </p:sp>
+      <p:sp>
+        <p:nvSpPr>
+          <p:cNvPr id="3" name="Content Placeholder 2"/>
+          <p:cNvSpPr>
+            <a:spLocks noGrp="1"/>
+          </p:cNvSpPr>
+          <p:nvPr>
+            <p:ph idx="1"/>
+          </p:nvPr>
+        </p:nvSpPr>
+        <p:spPr/>
+        <p:txBody>
+          <a:bodyPr/>
+          <a:lstStyle/>
+          <a:p>
+            <a:endParaRPr lang="en-GB"/>
+          </a:p>
+        </p:txBody>
+      </p:sp>
+    </p:spTree>
+    <p:extLst>
+      <p:ext uri="{BB962C8B-B14F-4D97-AF65-F5344CB8AC3E}">
+        <p14:creationId xmlns:p14="http://schemas.microsoft.com/office/powerpoint/2010/main" val="355571401"/>
+      </p:ext>
+    </p:extLst>
+  </p:cSld>
+  <p:clrMapOvr>
+    <a:masterClrMapping/>
+  </p:clrMapOvr>
+</p:sld>
+</file>
+
 <file path=ppt/slides/slide3.xml><?xml version="1.0" encoding="utf-8"?>
 <p:sld xmlns:a="http://schemas.openxmlformats.org/drawingml/2006/main" xmlns:r="http://schemas.openxmlformats.org/officeDocument/2006/relationships" xmlns:p="http://schemas.openxmlformats.org/presentationml/2006/main">
   <p:cSld>

--- a/course/spring_lecture11.pptx
+++ b/course/spring_lecture11.pptx
@@ -366,7 +366,7 @@
           <a:p>
             <a:fld id="{67C898FA-A962-44CE-900F-412638C3E064}" type="datetimeFigureOut">
               <a:rPr lang="en-GB" smtClean="0"/>
-              <a:t>27/07/2016</a:t>
+              <a:t>28/07/2016</a:t>
             </a:fld>
             <a:endParaRPr lang="en-GB"/>
           </a:p>
@@ -574,7 +574,7 @@
           <a:p>
             <a:fld id="{67C898FA-A962-44CE-900F-412638C3E064}" type="datetimeFigureOut">
               <a:rPr lang="en-GB" smtClean="0"/>
-              <a:t>27/07/2016</a:t>
+              <a:t>28/07/2016</a:t>
             </a:fld>
             <a:endParaRPr lang="en-GB"/>
           </a:p>
@@ -830,7 +830,7 @@
           <a:p>
             <a:fld id="{67C898FA-A962-44CE-900F-412638C3E064}" type="datetimeFigureOut">
               <a:rPr lang="en-GB" smtClean="0"/>
-              <a:t>27/07/2016</a:t>
+              <a:t>28/07/2016</a:t>
             </a:fld>
             <a:endParaRPr lang="en-GB"/>
           </a:p>
@@ -1004,7 +1004,7 @@
           <a:p>
             <a:fld id="{67C898FA-A962-44CE-900F-412638C3E064}" type="datetimeFigureOut">
               <a:rPr lang="en-GB" smtClean="0"/>
-              <a:t>27/07/2016</a:t>
+              <a:t>28/07/2016</a:t>
             </a:fld>
             <a:endParaRPr lang="en-GB"/>
           </a:p>
@@ -1347,7 +1347,7 @@
           <a:p>
             <a:fld id="{67C898FA-A962-44CE-900F-412638C3E064}" type="datetimeFigureOut">
               <a:rPr lang="en-GB" smtClean="0"/>
-              <a:t>27/07/2016</a:t>
+              <a:t>28/07/2016</a:t>
             </a:fld>
             <a:endParaRPr lang="en-GB"/>
           </a:p>
@@ -1622,7 +1622,7 @@
           <a:p>
             <a:fld id="{67C898FA-A962-44CE-900F-412638C3E064}" type="datetimeFigureOut">
               <a:rPr lang="en-GB" smtClean="0"/>
-              <a:t>27/07/2016</a:t>
+              <a:t>28/07/2016</a:t>
             </a:fld>
             <a:endParaRPr lang="en-GB"/>
           </a:p>
@@ -2001,7 +2001,7 @@
           <a:p>
             <a:fld id="{67C898FA-A962-44CE-900F-412638C3E064}" type="datetimeFigureOut">
               <a:rPr lang="en-GB" smtClean="0"/>
-              <a:t>27/07/2016</a:t>
+              <a:t>28/07/2016</a:t>
             </a:fld>
             <a:endParaRPr lang="en-GB"/>
           </a:p>
@@ -2119,7 +2119,7 @@
           <a:p>
             <a:fld id="{67C898FA-A962-44CE-900F-412638C3E064}" type="datetimeFigureOut">
               <a:rPr lang="en-GB" smtClean="0"/>
-              <a:t>27/07/2016</a:t>
+              <a:t>28/07/2016</a:t>
             </a:fld>
             <a:endParaRPr lang="en-GB"/>
           </a:p>
@@ -2290,7 +2290,7 @@
           <a:p>
             <a:fld id="{67C898FA-A962-44CE-900F-412638C3E064}" type="datetimeFigureOut">
               <a:rPr lang="en-GB" smtClean="0"/>
-              <a:t>27/07/2016</a:t>
+              <a:t>28/07/2016</a:t>
             </a:fld>
             <a:endParaRPr lang="en-GB"/>
           </a:p>
@@ -2644,7 +2644,7 @@
           <a:p>
             <a:fld id="{67C898FA-A962-44CE-900F-412638C3E064}" type="datetimeFigureOut">
               <a:rPr lang="en-GB" smtClean="0"/>
-              <a:t>27/07/2016</a:t>
+              <a:t>28/07/2016</a:t>
             </a:fld>
             <a:endParaRPr lang="en-GB"/>
           </a:p>
@@ -3026,7 +3026,7 @@
           <a:p>
             <a:fld id="{67C898FA-A962-44CE-900F-412638C3E064}" type="datetimeFigureOut">
               <a:rPr lang="en-GB" smtClean="0"/>
-              <a:t>27/07/2016</a:t>
+              <a:t>28/07/2016</a:t>
             </a:fld>
             <a:endParaRPr lang="en-GB"/>
           </a:p>
@@ -3313,7 +3313,7 @@
           <a:p>
             <a:fld id="{67C898FA-A962-44CE-900F-412638C3E064}" type="datetimeFigureOut">
               <a:rPr lang="en-GB" smtClean="0"/>
-              <a:t>27/07/2016</a:t>
+              <a:t>28/07/2016</a:t>
             </a:fld>
             <a:endParaRPr lang="en-GB"/>
           </a:p>
